--- a/QR_Idea-Presentation.pptx
+++ b/QR_Idea-Presentation.pptx
@@ -266,8 +266,11 @@
     </a:lvl9pPr>
   </p:defaultTextStyle>
   <p:extLst>
+    <p:ext uri="{EFAFB233-063F-42B5-8137-9DF3F51BA10A}">
+      <p15:sldGuideLst xmlns:p15="http://schemas.microsoft.com/office/powerpoint/2012/main"/>
+    </p:ext>
     <p:ext uri="http://customooxmlschemas.google.com/">
-      <go:slidesCustomData xmlns:go="http://customooxmlschemas.google.com/" xmlns:ahyp="http://schemas.microsoft.com/office/drawing/2018/hyperlinkcolor" xmlns:p15="http://schemas.microsoft.com/office/powerpoint/2012/main" xmlns:p14="http://schemas.microsoft.com/office/powerpoint/2010/main" xmlns:com="http://schemas.openxmlformats.org/drawingml/2006/compatibility" xmlns:pvml="urn:schemas-microsoft-com:office:powerpoint" xmlns:v="urn:schemas-microsoft-com:vml" xmlns:o="urn:schemas-microsoft-com:office:office" xmlns:dgm="http://schemas.openxmlformats.org/drawingml/2006/diagram" xmlns:c="http://schemas.openxmlformats.org/drawingml/2006/chart" xmlns:mv="urn:schemas-microsoft-com:mac:vml" xmlns:mc="http://schemas.openxmlformats.org/markup-compatibility/2006" xmlns="" r:id="rId17" roundtripDataSignature="AMtx7mjJmGzBMyoe221CrGi0Hi306kzVcQ=="/>
+      <go:slidesCustomData xmlns="" xmlns:mc="http://schemas.openxmlformats.org/markup-compatibility/2006" xmlns:mv="urn:schemas-microsoft-com:mac:vml" xmlns:c="http://schemas.openxmlformats.org/drawingml/2006/chart" xmlns:dgm="http://schemas.openxmlformats.org/drawingml/2006/diagram" xmlns:o="urn:schemas-microsoft-com:office:office" xmlns:v="urn:schemas-microsoft-com:vml" xmlns:pvml="urn:schemas-microsoft-com:office:powerpoint" xmlns:com="http://schemas.openxmlformats.org/drawingml/2006/compatibility" xmlns:p14="http://schemas.microsoft.com/office/powerpoint/2010/main" xmlns:p15="http://schemas.microsoft.com/office/powerpoint/2012/main" xmlns:ahyp="http://schemas.microsoft.com/office/drawing/2018/hyperlinkcolor" xmlns:go="http://customooxmlschemas.google.com/" r:id="rId17" roundtripDataSignature="AMtx7mjJmGzBMyoe221CrGi0Hi306kzVcQ=="/>
     </p:ext>
   </p:extLst>
 </p:presentation>
@@ -28047,8 +28050,8 @@
         </p:nvSpPr>
         <p:spPr>
           <a:xfrm>
-            <a:off x="624406" y="2257918"/>
-            <a:ext cx="6213664" cy="4321953"/>
+            <a:off x="624406" y="2257919"/>
+            <a:ext cx="6213664" cy="2293534"/>
           </a:xfrm>
           <a:prstGeom prst="rect">
             <a:avLst/>
@@ -28120,7 +28123,7 @@
             </a:pPr>
             <a:r>
               <a:rPr lang="en-US" dirty="0"/>
-              <a:t> Generate QR codes for each individual student and attach them to identity card’s (back side).</a:t>
+              <a:t> Generate QR codes for each individual student.</a:t>
             </a:r>
           </a:p>
           <a:p>
@@ -28143,7 +28146,7 @@
             </a:pPr>
             <a:r>
               <a:rPr lang="en-US" dirty="0"/>
-              <a:t>Class teacher, librarian and person authorized for the mid-day meal (also other tasks) will do a one time login each day, to authorize himself then scan the QR codes of students with his mobile phones.</a:t>
+              <a:t>The UI will be a website where the authorized person will log in and start scanning QR codes.</a:t>
             </a:r>
           </a:p>
           <a:p>
@@ -28166,7 +28169,7 @@
             </a:pPr>
             <a:r>
               <a:rPr lang="en-US" dirty="0"/>
-              <a:t>This will update the records for each day and will be maintained digitally with easy access at any point hence reducing the time for data tracking and reduction in consumption of resources.</a:t>
+              <a:t>Records will be updated and maintained digitally.</a:t>
             </a:r>
           </a:p>
           <a:p>
@@ -28189,8 +28192,28 @@
             </a:pPr>
             <a:r>
               <a:rPr lang="en-US" dirty="0"/>
-              <a:t>The UI will be a website where the authorized person logs in and starts scanning QR codes.</a:t>
+              <a:t>Time and resource efficient.</a:t>
             </a:r>
+          </a:p>
+          <a:p>
+            <a:pPr marL="285750" lvl="0" indent="-285750" algn="l" rtl="0">
+              <a:lnSpc>
+                <a:spcPct val="100000"/>
+              </a:lnSpc>
+              <a:spcBef>
+                <a:spcPts val="1000"/>
+              </a:spcBef>
+              <a:spcAft>
+                <a:spcPts val="0"/>
+              </a:spcAft>
+              <a:buClr>
+                <a:schemeClr val="dk1"/>
+              </a:buClr>
+              <a:buSzPts val="1600"/>
+              <a:buFont typeface="Noto Sans Symbols"/>
+              <a:buChar char="⮚"/>
+            </a:pPr>
+            <a:endParaRPr lang="en-US" dirty="0"/>
           </a:p>
           <a:p>
             <a:pPr marL="0" lvl="0" indent="0" algn="l" rtl="0">
@@ -28383,7 +28406,7 @@
               <a:buChar char="⮚"/>
             </a:pPr>
             <a:r>
-              <a:rPr lang="en-US" sz="1600" b="0" i="0" u="none" strike="noStrike" cap="none" dirty="0">
+              <a:rPr lang="en-US" sz="1600" dirty="0">
                 <a:solidFill>
                   <a:schemeClr val="dk1"/>
                 </a:solidFill>
@@ -28392,10 +28415,34 @@
                 <a:cs typeface="Libre Franklin"/>
                 <a:sym typeface="Libre Franklin"/>
               </a:rPr>
-              <a:t>Programming language used throughout the system building will be python. Html, </a:t>
+              <a:t>Python for system building; </a:t>
             </a:r>
             <a:r>
-              <a:rPr lang="en-US" sz="1600" b="0" i="0" u="none" strike="noStrike" cap="none" dirty="0" err="1">
+              <a:rPr lang="en-US" sz="1600" b="1" dirty="0">
+                <a:solidFill>
+                  <a:schemeClr val="dk1"/>
+                </a:solidFill>
+                <a:latin typeface="Libre Franklin"/>
+                <a:ea typeface="Libre Franklin"/>
+                <a:cs typeface="Libre Franklin"/>
+                <a:sym typeface="Libre Franklin"/>
+              </a:rPr>
+              <a:t>html</a:t>
+            </a:r>
+            <a:r>
+              <a:rPr lang="en-US" sz="1600" dirty="0">
+                <a:solidFill>
+                  <a:schemeClr val="dk1"/>
+                </a:solidFill>
+                <a:latin typeface="Libre Franklin"/>
+                <a:ea typeface="Libre Franklin"/>
+                <a:cs typeface="Libre Franklin"/>
+                <a:sym typeface="Libre Franklin"/>
+              </a:rPr>
+              <a:t>, </a:t>
+            </a:r>
+            <a:r>
+              <a:rPr lang="en-US" sz="1600" b="1" dirty="0" err="1">
                 <a:solidFill>
                   <a:schemeClr val="dk1"/>
                 </a:solidFill>
@@ -28407,7 +28454,7 @@
               <a:t>css</a:t>
             </a:r>
             <a:r>
-              <a:rPr lang="en-US" sz="1600" b="0" i="0" u="none" strike="noStrike" cap="none" dirty="0">
+              <a:rPr lang="en-US" sz="1600" dirty="0">
                 <a:solidFill>
                   <a:schemeClr val="dk1"/>
                 </a:solidFill>
@@ -28419,7 +28466,7 @@
               <a:t> and </a:t>
             </a:r>
             <a:r>
-              <a:rPr lang="en-US" sz="1600" b="0" i="0" u="none" strike="noStrike" cap="none" dirty="0" err="1">
+              <a:rPr lang="en-US" sz="1600" b="1" dirty="0" err="1">
                 <a:solidFill>
                   <a:schemeClr val="dk1"/>
                 </a:solidFill>
@@ -28428,62 +28475,7 @@
                 <a:cs typeface="Libre Franklin"/>
                 <a:sym typeface="Libre Franklin"/>
               </a:rPr>
-              <a:t>javascript</a:t>
-            </a:r>
-            <a:r>
-              <a:rPr lang="en-US" sz="1600" b="0" i="0" u="none" strike="noStrike" cap="none" dirty="0">
-                <a:solidFill>
-                  <a:schemeClr val="dk1"/>
-                </a:solidFill>
-                <a:latin typeface="Libre Franklin"/>
-                <a:ea typeface="Libre Franklin"/>
-                <a:cs typeface="Libre Franklin"/>
-                <a:sym typeface="Libre Franklin"/>
-              </a:rPr>
-              <a:t> will be used for the web front end.</a:t>
-            </a:r>
-          </a:p>
-          <a:p>
-            <a:pPr marL="285750" marR="0" lvl="0" indent="-285750" algn="l" rtl="0">
-              <a:lnSpc>
-                <a:spcPct val="100000"/>
-              </a:lnSpc>
-              <a:spcBef>
-                <a:spcPts val="1000"/>
-              </a:spcBef>
-              <a:spcAft>
-                <a:spcPts val="0"/>
-              </a:spcAft>
-              <a:buClr>
-                <a:schemeClr val="dk1"/>
-              </a:buClr>
-              <a:buSzPts val="1600"/>
-              <a:buFont typeface="Noto Sans Symbols"/>
-              <a:buChar char="⮚"/>
-            </a:pPr>
-            <a:r>
-              <a:rPr lang="en-US" sz="1600" dirty="0">
-                <a:solidFill>
-                  <a:schemeClr val="dk1"/>
-                </a:solidFill>
-                <a:latin typeface="Libre Franklin"/>
-                <a:ea typeface="Libre Franklin"/>
-                <a:cs typeface="Libre Franklin"/>
-                <a:sym typeface="Libre Franklin"/>
-              </a:rPr>
-              <a:t>Libraries like pandas and </a:t>
-            </a:r>
-            <a:r>
-              <a:rPr lang="en-US" sz="1600" dirty="0" err="1">
-                <a:solidFill>
-                  <a:schemeClr val="dk1"/>
-                </a:solidFill>
-                <a:latin typeface="Libre Franklin"/>
-                <a:ea typeface="Libre Franklin"/>
-                <a:cs typeface="Libre Franklin"/>
-                <a:sym typeface="Libre Franklin"/>
-              </a:rPr>
-              <a:t>numpy</a:t>
+              <a:t>js</a:t>
             </a:r>
             <a:r>
               <a:rPr lang="en-US" sz="1600" dirty="0">
@@ -28495,8 +28487,17 @@
                 <a:cs typeface="Libre Franklin"/>
                 <a:sym typeface="Libre Franklin"/>
               </a:rPr>
-              <a:t> will be used to manipulate the records.</a:t>
+              <a:t> for web front end.</a:t>
             </a:r>
+            <a:endParaRPr lang="en-US" sz="1600" b="0" i="0" u="none" strike="noStrike" cap="none" dirty="0">
+              <a:solidFill>
+                <a:schemeClr val="dk1"/>
+              </a:solidFill>
+              <a:latin typeface="Libre Franklin"/>
+              <a:ea typeface="Libre Franklin"/>
+              <a:cs typeface="Libre Franklin"/>
+              <a:sym typeface="Libre Franklin"/>
+            </a:endParaRPr>
           </a:p>
           <a:p>
             <a:pPr marL="285750" marR="0" lvl="0" indent="-285750" algn="l" rtl="0">
@@ -28517,7 +28518,74 @@
               <a:buChar char="⮚"/>
             </a:pPr>
             <a:r>
-              <a:rPr lang="en-US" sz="1600" dirty="0" err="1">
+              <a:rPr lang="en-US" sz="1600" b="1" dirty="0">
+                <a:solidFill>
+                  <a:schemeClr val="dk1"/>
+                </a:solidFill>
+                <a:latin typeface="Libre Franklin"/>
+                <a:ea typeface="Libre Franklin"/>
+                <a:cs typeface="Libre Franklin"/>
+                <a:sym typeface="Libre Franklin"/>
+              </a:rPr>
+              <a:t>Pandas</a:t>
+            </a:r>
+            <a:r>
+              <a:rPr lang="en-US" sz="1600" dirty="0">
+                <a:solidFill>
+                  <a:schemeClr val="dk1"/>
+                </a:solidFill>
+                <a:latin typeface="Libre Franklin"/>
+                <a:ea typeface="Libre Franklin"/>
+                <a:cs typeface="Libre Franklin"/>
+                <a:sym typeface="Libre Franklin"/>
+              </a:rPr>
+              <a:t> and </a:t>
+            </a:r>
+            <a:r>
+              <a:rPr lang="en-US" sz="1600" b="1" dirty="0" err="1">
+                <a:solidFill>
+                  <a:schemeClr val="dk1"/>
+                </a:solidFill>
+                <a:latin typeface="Libre Franklin"/>
+                <a:ea typeface="Libre Franklin"/>
+                <a:cs typeface="Libre Franklin"/>
+                <a:sym typeface="Libre Franklin"/>
+              </a:rPr>
+              <a:t>Numpy</a:t>
+            </a:r>
+            <a:r>
+              <a:rPr lang="en-US" sz="1600" dirty="0">
+                <a:solidFill>
+                  <a:schemeClr val="dk1"/>
+                </a:solidFill>
+                <a:latin typeface="Libre Franklin"/>
+                <a:ea typeface="Libre Franklin"/>
+                <a:cs typeface="Libre Franklin"/>
+                <a:sym typeface="Libre Franklin"/>
+              </a:rPr>
+              <a:t> for record manipulation.</a:t>
+            </a:r>
+          </a:p>
+          <a:p>
+            <a:pPr marL="285750" marR="0" lvl="0" indent="-285750" algn="l" rtl="0">
+              <a:lnSpc>
+                <a:spcPct val="100000"/>
+              </a:lnSpc>
+              <a:spcBef>
+                <a:spcPts val="1000"/>
+              </a:spcBef>
+              <a:spcAft>
+                <a:spcPts val="0"/>
+              </a:spcAft>
+              <a:buClr>
+                <a:schemeClr val="dk1"/>
+              </a:buClr>
+              <a:buSzPts val="1600"/>
+              <a:buFont typeface="Noto Sans Symbols"/>
+              <a:buChar char="⮚"/>
+            </a:pPr>
+            <a:r>
+              <a:rPr lang="en-US" sz="1600" b="1" dirty="0" err="1">
                 <a:solidFill>
                   <a:schemeClr val="dk1"/>
                 </a:solidFill>
@@ -28541,7 +28609,7 @@
               <a:t>, </a:t>
             </a:r>
             <a:r>
-              <a:rPr lang="en-US" sz="1600" dirty="0" err="1">
+              <a:rPr lang="en-US" sz="1600" b="1" dirty="0" err="1">
                 <a:solidFill>
                   <a:schemeClr val="dk1"/>
                 </a:solidFill>
@@ -28550,7 +28618,7 @@
                 <a:cs typeface="Libre Franklin"/>
                 <a:sym typeface="Libre Franklin"/>
               </a:rPr>
-              <a:t>pyzbar</a:t>
+              <a:t>Pyzbar</a:t>
             </a:r>
             <a:r>
               <a:rPr lang="en-US" sz="1600" dirty="0">
@@ -28565,7 +28633,7 @@
               <a:t> and </a:t>
             </a:r>
             <a:r>
-              <a:rPr lang="en-US" sz="1600" dirty="0" err="1">
+              <a:rPr lang="en-US" sz="1600" b="1" dirty="0" err="1">
                 <a:solidFill>
                   <a:schemeClr val="dk1"/>
                 </a:solidFill>
@@ -28574,7 +28642,7 @@
                 <a:cs typeface="Libre Franklin"/>
                 <a:sym typeface="Libre Franklin"/>
               </a:rPr>
-              <a:t>qrcode</a:t>
+              <a:t>Qrcode</a:t>
             </a:r>
             <a:r>
               <a:rPr lang="en-US" sz="1600" dirty="0">
@@ -28617,10 +28685,10 @@
       </p:sp>
       <p:pic>
         <p:nvPicPr>
-          <p:cNvPr id="11" name="Picture 10">
+          <p:cNvPr id="3" name="Picture 2">
             <a:extLst>
               <a:ext uri="{FF2B5EF4-FFF2-40B4-BE49-F238E27FC236}">
-                <a16:creationId xmlns:a16="http://schemas.microsoft.com/office/drawing/2014/main" id="{A596DF13-A506-431E-B720-85C009DAD014}"/>
+                <a16:creationId xmlns:a16="http://schemas.microsoft.com/office/drawing/2014/main" id="{2A1DF9D4-27A3-4F47-A323-8E8B85BAEB4A}"/>
               </a:ext>
             </a:extLst>
           </p:cNvPr>
@@ -28637,8 +28705,8 @@
         </p:blipFill>
         <p:spPr>
           <a:xfrm>
-            <a:off x="6951289" y="185661"/>
-            <a:ext cx="5109164" cy="3040423"/>
+            <a:off x="6971782" y="271070"/>
+            <a:ext cx="5075854" cy="3133616"/>
           </a:xfrm>
           <a:prstGeom prst="rect">
             <a:avLst/>
@@ -28736,7 +28804,7 @@
         </p:nvSpPr>
         <p:spPr>
           <a:xfrm>
-            <a:off x="952500" y="2286000"/>
+            <a:off x="952499" y="2133179"/>
             <a:ext cx="4838700" cy="315915"/>
           </a:xfrm>
           <a:prstGeom prst="rect">
@@ -28770,10 +28838,10 @@
               <a:buNone/>
             </a:pPr>
             <a:r>
-              <a:rPr lang="en-US" sz="1800"/>
+              <a:rPr lang="en-US" sz="1800" dirty="0"/>
               <a:t>Describe your Use Cases here</a:t>
             </a:r>
-            <a:endParaRPr/>
+            <a:endParaRPr dirty="0"/>
           </a:p>
         </p:txBody>
       </p:sp>
@@ -28812,6 +28880,64 @@
           </a:bodyPr>
           <a:lstStyle/>
           <a:p>
+            <a:pPr marL="285750" marR="0" lvl="0" indent="-285750" algn="l" rtl="0">
+              <a:lnSpc>
+                <a:spcPct val="90000"/>
+              </a:lnSpc>
+              <a:spcBef>
+                <a:spcPts val="0"/>
+              </a:spcBef>
+              <a:spcAft>
+                <a:spcPts val="0"/>
+              </a:spcAft>
+              <a:buClr>
+                <a:schemeClr val="dk1"/>
+              </a:buClr>
+              <a:buSzPts val="1600"/>
+              <a:buFont typeface="Noto Sans Symbols"/>
+              <a:buChar char="⮚"/>
+            </a:pPr>
+            <a:r>
+              <a:rPr lang="en-US" sz="1600" dirty="0">
+                <a:solidFill>
+                  <a:schemeClr val="dk1"/>
+                </a:solidFill>
+                <a:latin typeface="Libre Franklin"/>
+                <a:ea typeface="Arial"/>
+                <a:cs typeface="Arial"/>
+                <a:sym typeface="Libre Franklin"/>
+              </a:rPr>
+              <a:t>The student will carry his unique QR code printed behind his ID card. </a:t>
+            </a:r>
+            <a:endParaRPr lang="en-US" sz="1400" b="0" i="0" u="none" strike="noStrike" cap="none" dirty="0">
+              <a:solidFill>
+                <a:srgbClr val="000000"/>
+              </a:solidFill>
+              <a:latin typeface="Arial"/>
+              <a:ea typeface="Arial"/>
+              <a:cs typeface="Arial"/>
+              <a:sym typeface="Arial"/>
+            </a:endParaRPr>
+          </a:p>
+          <a:p>
+            <a:pPr marL="0" lvl="0" indent="0" algn="l" rtl="0">
+              <a:lnSpc>
+                <a:spcPct val="90000"/>
+              </a:lnSpc>
+              <a:spcBef>
+                <a:spcPts val="0"/>
+              </a:spcBef>
+              <a:spcAft>
+                <a:spcPts val="0"/>
+              </a:spcAft>
+              <a:buClr>
+                <a:schemeClr val="dk1"/>
+              </a:buClr>
+              <a:buSzPts val="1600"/>
+            </a:pPr>
+            <a:endParaRPr lang="en-US" dirty="0"/>
+          </a:p>
+          <a:p>
             <a:pPr marL="285750" lvl="0" indent="-285750" algn="l" rtl="0">
               <a:lnSpc>
                 <a:spcPct val="90000"/>
@@ -28831,7 +28957,7 @@
             </a:pPr>
             <a:r>
               <a:rPr lang="en-US" dirty="0"/>
-              <a:t>A student enrolled in a particular institution will need to carry his unique QR code  that will be printed on backside of his ID card provided by the institution.  He will show this QR to the authorized person (class teacher, librarian or meal provider).</a:t>
+              <a:t>This QR code will be scanned by authorized person.</a:t>
             </a:r>
           </a:p>
           <a:p>
@@ -28872,7 +28998,7 @@
             </a:pPr>
             <a:r>
               <a:rPr lang="en-US" dirty="0"/>
-              <a:t>The authorized person needs to do a one time login for the day to access the QR scan functionality on his phone. Then he can start scanning the QR codes and at the end of the day have access to all this data in digital format.</a:t>
+              <a:t>Authorized person logs in to access the QR code scanning functionality on his phone.</a:t>
             </a:r>
           </a:p>
           <a:p>
@@ -28915,7 +29041,7 @@
             </a:pPr>
             <a:r>
               <a:rPr lang="en-US" dirty="0"/>
-              <a:t>This way resources are bounded to each individual student.</a:t>
+              <a:t>The records are updated automatically and saved for later reference.</a:t>
             </a:r>
             <a:endParaRPr dirty="0"/>
           </a:p>
@@ -28979,7 +29105,7 @@
         </p:nvSpPr>
         <p:spPr>
           <a:xfrm>
-            <a:off x="6096000" y="2286000"/>
+            <a:off x="6248399" y="2153726"/>
             <a:ext cx="5143500" cy="315915"/>
           </a:xfrm>
           <a:prstGeom prst="rect">
@@ -29014,7 +29140,7 @@
               <a:buNone/>
             </a:pPr>
             <a:r>
-              <a:rPr lang="en-US" sz="1800" b="0" i="0" u="none" strike="noStrike" cap="none">
+              <a:rPr lang="en-US" sz="1800" b="0" i="0" u="none" strike="noStrike" cap="none" dirty="0">
                 <a:solidFill>
                   <a:schemeClr val="lt2"/>
                 </a:solidFill>
@@ -29025,7 +29151,7 @@
               </a:rPr>
               <a:t>Describe your Dependencies / Show stopper here</a:t>
             </a:r>
-            <a:endParaRPr sz="1400" b="0" i="0" u="none" strike="noStrike" cap="none">
+            <a:endParaRPr sz="1400" b="0" i="0" u="none" strike="noStrike" cap="none" dirty="0">
               <a:solidFill>
                 <a:srgbClr val="000000"/>
               </a:solidFill>
@@ -29095,7 +29221,7 @@
                 <a:cs typeface="Libre Franklin"/>
                 <a:sym typeface="Libre Franklin"/>
               </a:rPr>
-              <a:t>  An access to a mobile phone </a:t>
+              <a:t>Authorized person needs an acces</a:t>
             </a:r>
             <a:r>
               <a:rPr lang="en-US" sz="1600" dirty="0">
@@ -29107,11 +29233,23 @@
                 <a:cs typeface="Libre Franklin"/>
                 <a:sym typeface="Libre Franklin"/>
               </a:rPr>
-              <a:t>or similar device is must. Internet connection will be required too.</a:t>
+              <a:t>s to a mobile phone and internet connection.</a:t>
+            </a:r>
+            <a:r>
+              <a:rPr lang="en-US" sz="1600" b="0" i="0" u="none" strike="noStrike" cap="none" dirty="0">
+                <a:solidFill>
+                  <a:schemeClr val="dk1"/>
+                </a:solidFill>
+                <a:latin typeface="Libre Franklin"/>
+                <a:ea typeface="Libre Franklin"/>
+                <a:cs typeface="Libre Franklin"/>
+                <a:sym typeface="Libre Franklin"/>
+              </a:rPr>
+              <a:t>  </a:t>
             </a:r>
           </a:p>
           <a:p>
-            <a:pPr marL="285750" marR="0" lvl="0" indent="-285750" algn="l" rtl="0">
+            <a:pPr marR="0" lvl="0" algn="l" rtl="0">
               <a:lnSpc>
                 <a:spcPct val="90000"/>
               </a:lnSpc>
@@ -29125,8 +29263,6 @@
                 <a:schemeClr val="dk1"/>
               </a:buClr>
               <a:buSzPts val="1600"/>
-              <a:buFont typeface="Noto Sans Symbols"/>
-              <a:buChar char="⮚"/>
             </a:pPr>
             <a:endParaRPr lang="en-US" sz="1600" b="0" i="0" u="none" strike="noStrike" cap="none" dirty="0">
               <a:solidFill>
@@ -29164,7 +29300,7 @@
                 <a:cs typeface="Arial"/>
                 <a:sym typeface="Libre Franklin"/>
               </a:rPr>
-              <a:t>If the student loses his QR/ID card and the authorities are not told about this, the QR can be misused.</a:t>
+              <a:t>If the student loses his QR/ID card and the authorities are not informed about this, the QR can be misused.</a:t>
             </a:r>
           </a:p>
           <a:p>
@@ -29185,7 +29321,7 @@
               <a:buFont typeface="Noto Sans Symbols"/>
               <a:buChar char="⮚"/>
             </a:pPr>
-            <a:endParaRPr lang="en-US" sz="1600" b="0" i="0" u="none" strike="noStrike" cap="none" dirty="0">
+            <a:endParaRPr lang="en-US" sz="1600" dirty="0">
               <a:solidFill>
                 <a:schemeClr val="dk1"/>
               </a:solidFill>
@@ -29221,16 +29357,31 @@
                 <a:cs typeface="Arial"/>
                 <a:sym typeface="Libre Franklin"/>
               </a:rPr>
-              <a:t>Students have a habit of forgetting things if the QR is left at home a copy of all the QRs can be maintained by the institution.</a:t>
+              <a:t>Students have a habit of forgetting things.</a:t>
             </a:r>
-            <a:endParaRPr sz="1400" b="0" i="0" u="none" strike="noStrike" cap="none" dirty="0">
+          </a:p>
+          <a:p>
+            <a:pPr marR="0" lvl="0" algn="l" rtl="0">
+              <a:lnSpc>
+                <a:spcPct val="90000"/>
+              </a:lnSpc>
+              <a:spcBef>
+                <a:spcPts val="0"/>
+              </a:spcBef>
+              <a:spcAft>
+                <a:spcPts val="0"/>
+              </a:spcAft>
+              <a:buClr>
+                <a:schemeClr val="dk1"/>
+              </a:buClr>
+              <a:buSzPts val="1600"/>
+            </a:pPr>
+            <a:endParaRPr lang="en-US" sz="1600" b="0" i="0" u="none" strike="noStrike" cap="none" dirty="0">
               <a:solidFill>
-                <a:srgbClr val="000000"/>
+                <a:schemeClr val="dk1"/>
               </a:solidFill>
-              <a:latin typeface="Arial"/>
-              <a:ea typeface="Arial"/>
-              <a:cs typeface="Arial"/>
-              <a:sym typeface="Arial"/>
+              <a:latin typeface="Libre Franklin"/>
+              <a:sym typeface="Libre Franklin"/>
             </a:endParaRPr>
           </a:p>
         </p:txBody>
@@ -30188,8 +30339,53 @@
                 <a:cs typeface="Libre Franklin"/>
                 <a:sym typeface="Libre Franklin"/>
               </a:rPr>
-              <a:t>Python</a:t>
+              <a:t>Python, Html, </a:t>
             </a:r>
+            <a:r>
+              <a:rPr lang="en-US" sz="1600" b="0" i="0" u="none" strike="noStrike" cap="none" dirty="0" err="1">
+                <a:solidFill>
+                  <a:schemeClr val="dk1"/>
+                </a:solidFill>
+                <a:latin typeface="Libre Franklin"/>
+                <a:ea typeface="Libre Franklin"/>
+                <a:cs typeface="Libre Franklin"/>
+                <a:sym typeface="Libre Franklin"/>
+              </a:rPr>
+              <a:t>css</a:t>
+            </a:r>
+            <a:r>
+              <a:rPr lang="en-US" sz="1600" b="0" i="0" u="none" strike="noStrike" cap="none" dirty="0">
+                <a:solidFill>
+                  <a:schemeClr val="dk1"/>
+                </a:solidFill>
+                <a:latin typeface="Libre Franklin"/>
+                <a:ea typeface="Libre Franklin"/>
+                <a:cs typeface="Libre Franklin"/>
+                <a:sym typeface="Libre Franklin"/>
+              </a:rPr>
+              <a:t> and </a:t>
+            </a:r>
+            <a:r>
+              <a:rPr lang="en-US" sz="1600" b="0" i="0" u="none" strike="noStrike" cap="none" dirty="0" err="1">
+                <a:solidFill>
+                  <a:schemeClr val="dk1"/>
+                </a:solidFill>
+                <a:latin typeface="Libre Franklin"/>
+                <a:ea typeface="Libre Franklin"/>
+                <a:cs typeface="Libre Franklin"/>
+                <a:sym typeface="Libre Franklin"/>
+              </a:rPr>
+              <a:t>javascript</a:t>
+            </a:r>
+            <a:endParaRPr lang="en-US" sz="1600" b="0" i="0" u="none" strike="noStrike" cap="none" dirty="0">
+              <a:solidFill>
+                <a:schemeClr val="dk1"/>
+              </a:solidFill>
+              <a:latin typeface="Libre Franklin"/>
+              <a:ea typeface="Libre Franklin"/>
+              <a:cs typeface="Libre Franklin"/>
+              <a:sym typeface="Libre Franklin"/>
+            </a:endParaRPr>
           </a:p>
           <a:p>
             <a:pPr marL="285750" marR="0" lvl="0" indent="-285750" algn="l" rtl="0">

--- a/QR_Idea-Presentation.pptx
+++ b/QR_Idea-Presentation.pptx
@@ -270,7 +270,7 @@
       <p15:sldGuideLst xmlns:p15="http://schemas.microsoft.com/office/powerpoint/2012/main"/>
     </p:ext>
     <p:ext uri="http://customooxmlschemas.google.com/">
-      <go:slidesCustomData xmlns="" xmlns:mc="http://schemas.openxmlformats.org/markup-compatibility/2006" xmlns:mv="urn:schemas-microsoft-com:mac:vml" xmlns:c="http://schemas.openxmlformats.org/drawingml/2006/chart" xmlns:dgm="http://schemas.openxmlformats.org/drawingml/2006/diagram" xmlns:o="urn:schemas-microsoft-com:office:office" xmlns:v="urn:schemas-microsoft-com:vml" xmlns:pvml="urn:schemas-microsoft-com:office:powerpoint" xmlns:com="http://schemas.openxmlformats.org/drawingml/2006/compatibility" xmlns:p14="http://schemas.microsoft.com/office/powerpoint/2010/main" xmlns:p15="http://schemas.microsoft.com/office/powerpoint/2012/main" xmlns:ahyp="http://schemas.microsoft.com/office/drawing/2018/hyperlinkcolor" xmlns:go="http://customooxmlschemas.google.com/" r:id="rId17" roundtripDataSignature="AMtx7mjJmGzBMyoe221CrGi0Hi306kzVcQ=="/>
+      <go:slidesCustomData xmlns:go="http://customooxmlschemas.google.com/" xmlns:ahyp="http://schemas.microsoft.com/office/drawing/2018/hyperlinkcolor" xmlns:p15="http://schemas.microsoft.com/office/powerpoint/2012/main" xmlns:p14="http://schemas.microsoft.com/office/powerpoint/2010/main" xmlns:com="http://schemas.openxmlformats.org/drawingml/2006/compatibility" xmlns:pvml="urn:schemas-microsoft-com:office:powerpoint" xmlns:v="urn:schemas-microsoft-com:vml" xmlns:o="urn:schemas-microsoft-com:office:office" xmlns:dgm="http://schemas.openxmlformats.org/drawingml/2006/diagram" xmlns:c="http://schemas.openxmlformats.org/drawingml/2006/chart" xmlns:mv="urn:schemas-microsoft-com:mac:vml" xmlns:mc="http://schemas.openxmlformats.org/markup-compatibility/2006" xmlns="" r:id="rId17" roundtripDataSignature="AMtx7mjJmGzBMyoe221CrGi0Hi306kzVcQ=="/>
     </p:ext>
   </p:extLst>
 </p:presentation>
@@ -27813,6 +27813,15 @@
               </a:rPr>
               <a:t>Team Name: </a:t>
             </a:r>
+            <a:r>
+              <a:rPr lang="en-US" sz="2000" dirty="0" err="1">
+                <a:latin typeface="Franklin Gothic"/>
+                <a:ea typeface="Franklin Gothic"/>
+                <a:cs typeface="Franklin Gothic"/>
+                <a:sym typeface="Franklin Gothic"/>
+              </a:rPr>
+              <a:t>Ikshana</a:t>
+            </a:r>
             <a:endParaRPr sz="2000" dirty="0"/>
           </a:p>
           <a:p>
@@ -30056,7 +30065,85 @@
                   <a:srgbClr val="804160"/>
                 </a:solidFill>
               </a:rPr>
-              <a:t>Team Mentor 1 Name: Type Your Name Here</a:t>
+              <a:t>Team Mentor 1 Name:  </a:t>
+            </a:r>
+            <a:r>
+              <a:rPr lang="en-US" sz="1200" b="1" dirty="0" err="1">
+                <a:solidFill>
+                  <a:srgbClr val="804160"/>
+                </a:solidFill>
+              </a:rPr>
+              <a:t>Chaitali</a:t>
+            </a:r>
+            <a:r>
+              <a:rPr lang="en-US" sz="1200" b="1" dirty="0">
+                <a:solidFill>
+                  <a:srgbClr val="804160"/>
+                </a:solidFill>
+              </a:rPr>
+              <a:t> </a:t>
+            </a:r>
+            <a:r>
+              <a:rPr lang="en-US" sz="1200" b="1" dirty="0" err="1">
+                <a:solidFill>
+                  <a:srgbClr val="804160"/>
+                </a:solidFill>
+              </a:rPr>
+              <a:t>Shewale</a:t>
+            </a:r>
+            <a:endParaRPr lang="en-US" dirty="0"/>
+          </a:p>
+          <a:p>
+            <a:pPr marL="0" lvl="0" indent="0" algn="l" rtl="0">
+              <a:lnSpc>
+                <a:spcPct val="90000"/>
+              </a:lnSpc>
+              <a:spcBef>
+                <a:spcPts val="1000"/>
+              </a:spcBef>
+              <a:spcAft>
+                <a:spcPts val="0"/>
+              </a:spcAft>
+              <a:buClr>
+                <a:schemeClr val="dk1"/>
+              </a:buClr>
+              <a:buSzPts val="1200"/>
+              <a:buNone/>
+            </a:pPr>
+            <a:r>
+              <a:rPr lang="en-US" sz="1200" dirty="0"/>
+              <a:t>Category (Academic/Industry): Academic	  	Expertise DS &amp; data structures 		Domain Experience (in years): 7 </a:t>
+            </a:r>
+            <a:r>
+              <a:rPr lang="en-US" sz="1200" dirty="0" err="1"/>
+              <a:t>yrs</a:t>
+            </a:r>
+            <a:endParaRPr lang="en-US" dirty="0"/>
+          </a:p>
+          <a:p>
+            <a:pPr marL="0" lvl="0" indent="0" algn="l" rtl="0">
+              <a:lnSpc>
+                <a:spcPct val="90000"/>
+              </a:lnSpc>
+              <a:spcBef>
+                <a:spcPts val="1000"/>
+              </a:spcBef>
+              <a:spcAft>
+                <a:spcPts val="0"/>
+              </a:spcAft>
+              <a:buClr>
+                <a:srgbClr val="804160"/>
+              </a:buClr>
+              <a:buSzPts val="1200"/>
+              <a:buNone/>
+            </a:pPr>
+            <a:r>
+              <a:rPr lang="en-US" sz="1200" b="1" dirty="0">
+                <a:solidFill>
+                  <a:srgbClr val="804160"/>
+                </a:solidFill>
+              </a:rPr>
+              <a:t>Team Mentor 2 Name:  Suvarna Patil</a:t>
             </a:r>
             <a:endParaRPr dirty="0"/>
           </a:p>
@@ -30079,65 +30166,7 @@
             </a:pPr>
             <a:r>
               <a:rPr lang="en-US" sz="1200" dirty="0"/>
-              <a:t>Category (Academic/Industry): 			Expertise (AI/ML/Blockchain </a:t>
-            </a:r>
-            <a:r>
-              <a:rPr lang="en-US" sz="1200" dirty="0" err="1"/>
-              <a:t>etc</a:t>
-            </a:r>
-            <a:r>
-              <a:rPr lang="en-US" sz="1200" dirty="0"/>
-              <a:t>): 		Domain Experience (in years):    </a:t>
-            </a:r>
-            <a:endParaRPr dirty="0"/>
-          </a:p>
-          <a:p>
-            <a:pPr marL="0" lvl="0" indent="0" algn="l" rtl="0">
-              <a:lnSpc>
-                <a:spcPct val="90000"/>
-              </a:lnSpc>
-              <a:spcBef>
-                <a:spcPts val="1000"/>
-              </a:spcBef>
-              <a:spcAft>
-                <a:spcPts val="0"/>
-              </a:spcAft>
-              <a:buClr>
-                <a:srgbClr val="804160"/>
-              </a:buClr>
-              <a:buSzPts val="1200"/>
-              <a:buNone/>
-            </a:pPr>
-            <a:r>
-              <a:rPr lang="en-US" sz="1200" b="1" dirty="0">
-                <a:solidFill>
-                  <a:srgbClr val="804160"/>
-                </a:solidFill>
-              </a:rPr>
-              <a:t>Team Mentor 2 Name: Type Your Name Here</a:t>
-            </a:r>
-            <a:endParaRPr dirty="0"/>
-          </a:p>
-          <a:p>
-            <a:pPr marL="0" lvl="0" indent="0" algn="l" rtl="0">
-              <a:lnSpc>
-                <a:spcPct val="90000"/>
-              </a:lnSpc>
-              <a:spcBef>
-                <a:spcPts val="1000"/>
-              </a:spcBef>
-              <a:spcAft>
-                <a:spcPts val="0"/>
-              </a:spcAft>
-              <a:buClr>
-                <a:schemeClr val="dk1"/>
-              </a:buClr>
-              <a:buSzPts val="1200"/>
-              <a:buNone/>
-            </a:pPr>
-            <a:r>
-              <a:rPr lang="en-US" sz="1200" dirty="0"/>
-              <a:t>Category (Academic/Industry): 	 		Expertise (AI/ML/Blockchain </a:t>
+              <a:t>Category (Academic/Industry):   			Expertise (AI/ML/Blockchain </a:t>
             </a:r>
             <a:r>
               <a:rPr lang="en-US" sz="1200" dirty="0" err="1"/>
